--- a/2. Back-end/1. JavaCore/Bài 14. Array và Collection Framework Java/07. Collection in Java.pptx
+++ b/2. Back-end/1. JavaCore/Bài 14. Array và Collection Framework Java/07. Collection in Java.pptx
@@ -28,8 +28,7 @@
     <p:sldId id="290" r:id="rId22"/>
     <p:sldId id="285" r:id="rId23"/>
     <p:sldId id="289" r:id="rId24"/>
-    <p:sldId id="287" r:id="rId25"/>
-    <p:sldId id="266" r:id="rId26"/>
+    <p:sldId id="266" r:id="rId25"/>
   </p:sldIdLst>
   <p:sldSz cx="9144000" cy="6858000" type="screen4x3"/>
   <p:notesSz cx="6858000" cy="9144000"/>
@@ -313,7 +312,7 @@
             <a:fld id="{1D8BD707-D9CF-40AE-B4C6-C98DA3205C09}" type="datetimeFigureOut">
               <a:rPr lang="en-US" smtClean="0"/>
               <a:pPr/>
-              <a:t>7/12/2018</a:t>
+              <a:t>09/12/2020</a:t>
             </a:fld>
             <a:endParaRPr lang="en-US"/>
           </a:p>
@@ -480,7 +479,7 @@
             <a:fld id="{1D8BD707-D9CF-40AE-B4C6-C98DA3205C09}" type="datetimeFigureOut">
               <a:rPr lang="en-US" smtClean="0"/>
               <a:pPr/>
-              <a:t>7/12/2018</a:t>
+              <a:t>09/12/2020</a:t>
             </a:fld>
             <a:endParaRPr lang="en-US"/>
           </a:p>
@@ -657,7 +656,7 @@
             <a:fld id="{1D8BD707-D9CF-40AE-B4C6-C98DA3205C09}" type="datetimeFigureOut">
               <a:rPr lang="en-US" smtClean="0"/>
               <a:pPr/>
-              <a:t>7/12/2018</a:t>
+              <a:t>09/12/2020</a:t>
             </a:fld>
             <a:endParaRPr lang="en-US"/>
           </a:p>
@@ -824,7 +823,7 @@
             <a:fld id="{1D8BD707-D9CF-40AE-B4C6-C98DA3205C09}" type="datetimeFigureOut">
               <a:rPr lang="en-US" smtClean="0"/>
               <a:pPr/>
-              <a:t>7/12/2018</a:t>
+              <a:t>09/12/2020</a:t>
             </a:fld>
             <a:endParaRPr lang="en-US"/>
           </a:p>
@@ -1067,7 +1066,7 @@
             <a:fld id="{1D8BD707-D9CF-40AE-B4C6-C98DA3205C09}" type="datetimeFigureOut">
               <a:rPr lang="en-US" smtClean="0"/>
               <a:pPr/>
-              <a:t>7/12/2018</a:t>
+              <a:t>09/12/2020</a:t>
             </a:fld>
             <a:endParaRPr lang="en-US"/>
           </a:p>
@@ -1352,7 +1351,7 @@
             <a:fld id="{1D8BD707-D9CF-40AE-B4C6-C98DA3205C09}" type="datetimeFigureOut">
               <a:rPr lang="en-US" smtClean="0"/>
               <a:pPr/>
-              <a:t>7/12/2018</a:t>
+              <a:t>09/12/2020</a:t>
             </a:fld>
             <a:endParaRPr lang="en-US"/>
           </a:p>
@@ -1771,7 +1770,7 @@
             <a:fld id="{1D8BD707-D9CF-40AE-B4C6-C98DA3205C09}" type="datetimeFigureOut">
               <a:rPr lang="en-US" smtClean="0"/>
               <a:pPr/>
-              <a:t>7/12/2018</a:t>
+              <a:t>09/12/2020</a:t>
             </a:fld>
             <a:endParaRPr lang="en-US"/>
           </a:p>
@@ -1886,7 +1885,7 @@
             <a:fld id="{1D8BD707-D9CF-40AE-B4C6-C98DA3205C09}" type="datetimeFigureOut">
               <a:rPr lang="en-US" smtClean="0"/>
               <a:pPr/>
-              <a:t>7/12/2018</a:t>
+              <a:t>09/12/2020</a:t>
             </a:fld>
             <a:endParaRPr lang="en-US"/>
           </a:p>
@@ -1978,7 +1977,7 @@
             <a:fld id="{1D8BD707-D9CF-40AE-B4C6-C98DA3205C09}" type="datetimeFigureOut">
               <a:rPr lang="en-US" smtClean="0"/>
               <a:pPr/>
-              <a:t>7/12/2018</a:t>
+              <a:t>09/12/2020</a:t>
             </a:fld>
             <a:endParaRPr lang="en-US"/>
           </a:p>
@@ -2252,7 +2251,7 @@
             <a:fld id="{1D8BD707-D9CF-40AE-B4C6-C98DA3205C09}" type="datetimeFigureOut">
               <a:rPr lang="en-US" smtClean="0"/>
               <a:pPr/>
-              <a:t>7/12/2018</a:t>
+              <a:t>09/12/2020</a:t>
             </a:fld>
             <a:endParaRPr lang="en-US"/>
           </a:p>
@@ -2502,7 +2501,7 @@
             <a:fld id="{1D8BD707-D9CF-40AE-B4C6-C98DA3205C09}" type="datetimeFigureOut">
               <a:rPr lang="en-US" smtClean="0"/>
               <a:pPr/>
-              <a:t>7/12/2018</a:t>
+              <a:t>09/12/2020</a:t>
             </a:fld>
             <a:endParaRPr lang="en-US"/>
           </a:p>
@@ -2712,7 +2711,7 @@
             <a:fld id="{1D8BD707-D9CF-40AE-B4C6-C98DA3205C09}" type="datetimeFigureOut">
               <a:rPr lang="en-US" smtClean="0"/>
               <a:pPr/>
-              <a:t>7/12/2018</a:t>
+              <a:t>09/12/2020</a:t>
             </a:fld>
             <a:endParaRPr lang="en-US"/>
           </a:p>
@@ -7947,386 +7946,6 @@
           <a:lstStyle/>
           <a:p>
             <a:r>
-              <a:rPr lang="en-US" dirty="0" err="1" smtClean="0"/>
-              <a:t>Bài</a:t>
-            </a:r>
-            <a:r>
-              <a:rPr lang="en-US" dirty="0" smtClean="0"/>
-              <a:t> </a:t>
-            </a:r>
-            <a:r>
-              <a:rPr lang="en-US" dirty="0" err="1" smtClean="0"/>
-              <a:t>tập</a:t>
-            </a:r>
-            <a:r>
-              <a:rPr lang="en-US" dirty="0" smtClean="0"/>
-              <a:t> (1)</a:t>
-            </a:r>
-            <a:endParaRPr lang="en-GB" dirty="0"/>
-          </a:p>
-        </p:txBody>
-      </p:sp>
-      <p:sp>
-        <p:nvSpPr>
-          <p:cNvPr id="3" name="Content Placeholder 2"/>
-          <p:cNvSpPr>
-            <a:spLocks noGrp="1"/>
-          </p:cNvSpPr>
-          <p:nvPr>
-            <p:ph idx="1"/>
-          </p:nvPr>
-        </p:nvSpPr>
-        <p:spPr/>
-        <p:txBody>
-          <a:bodyPr>
-            <a:normAutofit fontScale="85000" lnSpcReduction="20000"/>
-          </a:bodyPr>
-          <a:lstStyle/>
-          <a:p>
-            <a:r>
-              <a:rPr lang="en-US" dirty="0" err="1" smtClean="0"/>
-              <a:t>Một</a:t>
-            </a:r>
-            <a:r>
-              <a:rPr lang="en-US" dirty="0" smtClean="0"/>
-              <a:t> </a:t>
-            </a:r>
-            <a:r>
-              <a:rPr lang="en-US" dirty="0" err="1" smtClean="0"/>
-              <a:t>nhóm</a:t>
-            </a:r>
-            <a:r>
-              <a:rPr lang="en-US" dirty="0" smtClean="0"/>
-              <a:t> </a:t>
-            </a:r>
-            <a:r>
-              <a:rPr lang="en-US" dirty="0" err="1" smtClean="0"/>
-              <a:t>nhân</a:t>
-            </a:r>
-            <a:r>
-              <a:rPr lang="en-US" dirty="0" smtClean="0"/>
-              <a:t> </a:t>
-            </a:r>
-            <a:r>
-              <a:rPr lang="en-US" dirty="0" err="1" smtClean="0"/>
-              <a:t>viên</a:t>
-            </a:r>
-            <a:endParaRPr lang="en-US" dirty="0" smtClean="0"/>
-          </a:p>
-          <a:p>
-            <a:pPr lvl="1"/>
-            <a:r>
-              <a:rPr lang="en-US" dirty="0" smtClean="0"/>
-              <a:t>id: 1,2,3,4…</a:t>
-            </a:r>
-          </a:p>
-          <a:p>
-            <a:pPr lvl="1"/>
-            <a:r>
-              <a:rPr lang="en-US" dirty="0" smtClean="0"/>
-              <a:t>Username: u1, u2, u3, u4,….</a:t>
-            </a:r>
-          </a:p>
-          <a:p>
-            <a:pPr lvl="1"/>
-            <a:r>
-              <a:rPr lang="en-US" dirty="0" smtClean="0"/>
-              <a:t>Name: A1, A2, A3,…</a:t>
-            </a:r>
-          </a:p>
-          <a:p>
-            <a:pPr lvl="1"/>
-            <a:r>
-              <a:rPr lang="en-US" dirty="0" smtClean="0"/>
-              <a:t>Salary: 300, 200, 400, 500,…</a:t>
-            </a:r>
-          </a:p>
-          <a:p>
-            <a:pPr lvl="1"/>
-            <a:r>
-              <a:rPr lang="en-US" dirty="0" smtClean="0"/>
-              <a:t>Age: 14, 36, 34, 90,..</a:t>
-            </a:r>
-          </a:p>
-          <a:p>
-            <a:r>
-              <a:rPr lang="en-US" dirty="0" err="1" smtClean="0"/>
-              <a:t>Hãy</a:t>
-            </a:r>
-            <a:r>
-              <a:rPr lang="en-US" dirty="0" smtClean="0"/>
-              <a:t> </a:t>
-            </a:r>
-            <a:r>
-              <a:rPr lang="en-US" dirty="0" err="1" smtClean="0"/>
-              <a:t>sắp</a:t>
-            </a:r>
-            <a:r>
-              <a:rPr lang="en-US" dirty="0" smtClean="0"/>
-              <a:t> </a:t>
-            </a:r>
-            <a:r>
-              <a:rPr lang="en-US" dirty="0" err="1" smtClean="0"/>
-              <a:t>xếp</a:t>
-            </a:r>
-            <a:r>
-              <a:rPr lang="en-US" dirty="0" smtClean="0"/>
-              <a:t> </a:t>
-            </a:r>
-            <a:r>
-              <a:rPr lang="en-US" dirty="0" err="1" smtClean="0"/>
-              <a:t>các</a:t>
-            </a:r>
-            <a:r>
-              <a:rPr lang="en-US" dirty="0" smtClean="0"/>
-              <a:t> </a:t>
-            </a:r>
-            <a:r>
-              <a:rPr lang="en-US" dirty="0" err="1" smtClean="0"/>
-              <a:t>nhân</a:t>
-            </a:r>
-            <a:r>
-              <a:rPr lang="en-US" dirty="0" smtClean="0"/>
-              <a:t> </a:t>
-            </a:r>
-            <a:r>
-              <a:rPr lang="en-US" dirty="0" err="1" smtClean="0"/>
-              <a:t>viên</a:t>
-            </a:r>
-            <a:r>
-              <a:rPr lang="en-US" dirty="0" smtClean="0"/>
-              <a:t> </a:t>
-            </a:r>
-            <a:r>
-              <a:rPr lang="en-US" dirty="0" err="1" smtClean="0"/>
-              <a:t>và</a:t>
-            </a:r>
-            <a:r>
-              <a:rPr lang="en-US" dirty="0" smtClean="0"/>
-              <a:t> </a:t>
-            </a:r>
-            <a:r>
-              <a:rPr lang="en-US" dirty="0" err="1" smtClean="0"/>
-              <a:t>trả</a:t>
-            </a:r>
-            <a:r>
-              <a:rPr lang="en-US" dirty="0" smtClean="0"/>
-              <a:t> </a:t>
-            </a:r>
-            <a:r>
-              <a:rPr lang="en-US" dirty="0" err="1" smtClean="0"/>
-              <a:t>kết</a:t>
-            </a:r>
-            <a:r>
-              <a:rPr lang="en-US" dirty="0" smtClean="0"/>
-              <a:t> </a:t>
-            </a:r>
-            <a:r>
-              <a:rPr lang="en-US" dirty="0" err="1" smtClean="0"/>
-              <a:t>quả</a:t>
-            </a:r>
-            <a:endParaRPr lang="en-US" dirty="0" smtClean="0"/>
-          </a:p>
-          <a:p>
-            <a:pPr lvl="1"/>
-            <a:r>
-              <a:rPr lang="en-US" dirty="0" err="1" smtClean="0"/>
-              <a:t>Dựa</a:t>
-            </a:r>
-            <a:r>
-              <a:rPr lang="en-US" dirty="0" smtClean="0"/>
-              <a:t> </a:t>
-            </a:r>
-            <a:r>
-              <a:rPr lang="en-US" dirty="0" err="1" smtClean="0"/>
-              <a:t>vào</a:t>
-            </a:r>
-            <a:r>
-              <a:rPr lang="en-US" dirty="0" smtClean="0"/>
-              <a:t> </a:t>
-            </a:r>
-            <a:r>
-              <a:rPr lang="en-US" dirty="0" err="1" smtClean="0"/>
-              <a:t>lương</a:t>
-            </a:r>
-            <a:r>
-              <a:rPr lang="en-US" dirty="0" smtClean="0"/>
-              <a:t>:  A1: 200, A2: 300, </a:t>
-            </a:r>
-          </a:p>
-          <a:p>
-            <a:pPr lvl="1"/>
-            <a:r>
-              <a:rPr lang="en-US" dirty="0" err="1" smtClean="0"/>
-              <a:t>Dựa</a:t>
-            </a:r>
-            <a:r>
-              <a:rPr lang="en-US" dirty="0" smtClean="0"/>
-              <a:t> </a:t>
-            </a:r>
-            <a:r>
-              <a:rPr lang="en-US" dirty="0" err="1" smtClean="0"/>
-              <a:t>vào</a:t>
-            </a:r>
-            <a:r>
-              <a:rPr lang="en-US" dirty="0" smtClean="0"/>
-              <a:t> </a:t>
-            </a:r>
-            <a:r>
-              <a:rPr lang="en-US" dirty="0" err="1" smtClean="0"/>
-              <a:t>tuổi</a:t>
-            </a:r>
-            <a:endParaRPr lang="en-US" dirty="0" smtClean="0"/>
-          </a:p>
-          <a:p>
-            <a:pPr lvl="1"/>
-            <a:r>
-              <a:rPr lang="en-US" dirty="0" err="1" smtClean="0"/>
-              <a:t>Dựa</a:t>
-            </a:r>
-            <a:r>
-              <a:rPr lang="en-US" dirty="0" smtClean="0"/>
-              <a:t> </a:t>
-            </a:r>
-            <a:r>
-              <a:rPr lang="en-US" dirty="0" err="1" smtClean="0"/>
-              <a:t>vào</a:t>
-            </a:r>
-            <a:r>
-              <a:rPr lang="en-US" dirty="0" smtClean="0"/>
-              <a:t> </a:t>
-            </a:r>
-            <a:r>
-              <a:rPr lang="en-US" dirty="0" err="1" smtClean="0"/>
-              <a:t>tên</a:t>
-            </a:r>
-            <a:endParaRPr lang="en-US" dirty="0" smtClean="0"/>
-          </a:p>
-          <a:p>
-            <a:r>
-              <a:rPr lang="en-US" dirty="0" err="1" smtClean="0"/>
-              <a:t>Tìm</a:t>
-            </a:r>
-            <a:r>
-              <a:rPr lang="en-US" dirty="0" smtClean="0"/>
-              <a:t> </a:t>
-            </a:r>
-            <a:r>
-              <a:rPr lang="en-US" dirty="0" err="1" smtClean="0"/>
-              <a:t>người</a:t>
-            </a:r>
-            <a:r>
-              <a:rPr lang="en-US" dirty="0" smtClean="0"/>
-              <a:t> </a:t>
-            </a:r>
-            <a:r>
-              <a:rPr lang="en-US" dirty="0" err="1" smtClean="0"/>
-              <a:t>có</a:t>
-            </a:r>
-            <a:r>
-              <a:rPr lang="en-US" dirty="0" smtClean="0"/>
-              <a:t> </a:t>
-            </a:r>
-            <a:r>
-              <a:rPr lang="en-US" dirty="0" err="1" smtClean="0"/>
-              <a:t>chứa</a:t>
-            </a:r>
-            <a:r>
-              <a:rPr lang="en-US" dirty="0" smtClean="0"/>
-              <a:t> </a:t>
-            </a:r>
-            <a:r>
-              <a:rPr lang="en-US" dirty="0" err="1" smtClean="0"/>
-              <a:t>kí</a:t>
-            </a:r>
-            <a:r>
-              <a:rPr lang="en-US" dirty="0" smtClean="0"/>
-              <a:t> </a:t>
-            </a:r>
-            <a:r>
-              <a:rPr lang="en-US" dirty="0" err="1" smtClean="0"/>
-              <a:t>tự</a:t>
-            </a:r>
-            <a:r>
-              <a:rPr lang="en-US" dirty="0" smtClean="0"/>
-              <a:t> “N” </a:t>
-            </a:r>
-            <a:r>
-              <a:rPr lang="en-US" dirty="0" err="1" smtClean="0"/>
-              <a:t>trong</a:t>
-            </a:r>
-            <a:r>
-              <a:rPr lang="en-US" dirty="0" smtClean="0"/>
-              <a:t> </a:t>
-            </a:r>
-            <a:r>
-              <a:rPr lang="en-US" dirty="0" err="1" smtClean="0"/>
-              <a:t>các</a:t>
-            </a:r>
-            <a:r>
-              <a:rPr lang="en-US" dirty="0" smtClean="0"/>
-              <a:t> User.</a:t>
-            </a:r>
-          </a:p>
-          <a:p>
-            <a:pPr lvl="1"/>
-            <a:endParaRPr lang="en-GB" dirty="0"/>
-          </a:p>
-        </p:txBody>
-      </p:sp>
-    </p:spTree>
-    <p:extLst>
-      <p:ext uri="{BB962C8B-B14F-4D97-AF65-F5344CB8AC3E}">
-        <p14:creationId xmlns:p14="http://schemas.microsoft.com/office/powerpoint/2010/main" val="2949194926"/>
-      </p:ext>
-    </p:extLst>
-  </p:cSld>
-  <p:clrMapOvr>
-    <a:masterClrMapping/>
-  </p:clrMapOvr>
-  <p:timing>
-    <p:tnLst>
-      <p:par>
-        <p:cTn id="1" dur="indefinite" restart="never" nodeType="tmRoot"/>
-      </p:par>
-    </p:tnLst>
-  </p:timing>
-</p:sld>
-</file>
-
-<file path=ppt/slides/slide25.xml><?xml version="1.0" encoding="utf-8"?>
-<p:sld xmlns:a="http://schemas.openxmlformats.org/drawingml/2006/main" xmlns:r="http://schemas.openxmlformats.org/officeDocument/2006/relationships" xmlns:p="http://schemas.openxmlformats.org/presentationml/2006/main">
-  <p:cSld>
-    <p:spTree>
-      <p:nvGrpSpPr>
-        <p:cNvPr id="1" name=""/>
-        <p:cNvGrpSpPr/>
-        <p:nvPr/>
-      </p:nvGrpSpPr>
-      <p:grpSpPr>
-        <a:xfrm>
-          <a:off x="0" y="0"/>
-          <a:ext cx="0" cy="0"/>
-          <a:chOff x="0" y="0"/>
-          <a:chExt cx="0" cy="0"/>
-        </a:xfrm>
-      </p:grpSpPr>
-      <p:sp>
-        <p:nvSpPr>
-          <p:cNvPr id="2" name="Title 1"/>
-          <p:cNvSpPr>
-            <a:spLocks noGrp="1"/>
-          </p:cNvSpPr>
-          <p:nvPr>
-            <p:ph type="title"/>
-          </p:nvPr>
-        </p:nvSpPr>
-        <p:spPr/>
-        <p:txBody>
-          <a:bodyPr/>
-          <a:lstStyle/>
-          <a:p>
-            <a:r>
               <a:rPr lang="en-US" dirty="0" smtClean="0"/>
               <a:t>Thanh you!</a:t>
             </a:r>
